--- a/graphs/Pvals.pptx
+++ b/graphs/Pvals.pptx
@@ -104,6 +104,11 @@
       </a:defRPr>
     </a:lvl9pPr>
   </p:defaultTextStyle>
+  <p:extLst>
+    <p:ext uri="{EFAFB233-063F-42B5-8137-9DF3F51BA10A}">
+      <p15:sldGuideLst xmlns:p15="http://schemas.microsoft.com/office/powerpoint/2012/main"/>
+    </p:ext>
+  </p:extLst>
 </p:presentation>
 </file>
 
@@ -128,14 +133,15 @@
           <c:layoutTarget val="inner"/>
           <c:xMode val="edge"/>
           <c:yMode val="edge"/>
-          <c:x val="0.11056763657158458"/>
+          <c:x val="0.13897000696433742"/>
           <c:y val="0.11288218858637812"/>
-          <c:w val="0.84183805828176339"/>
+          <c:w val="0.81343568788901055"/>
           <c:h val="0.60815538116995926"/>
         </c:manualLayout>
       </c:layout>
-      <c:lineChart>
-        <c:grouping val="standard"/>
+      <c:barChart>
+        <c:barDir val="col"/>
+        <c:grouping val="clustered"/>
         <c:varyColors val="0"/>
         <c:ser>
           <c:idx val="0"/>
@@ -152,29 +158,42 @@
             </c:strRef>
           </c:tx>
           <c:spPr>
-            <a:ln w="19050" cap="rnd">
+            <a:solidFill>
+              <a:schemeClr val="tx1">
+                <a:lumMod val="75000"/>
+                <a:lumOff val="25000"/>
+              </a:schemeClr>
+            </a:solidFill>
+            <a:ln w="19050">
               <a:solidFill>
                 <a:schemeClr val="tx1"/>
               </a:solidFill>
-              <a:round/>
             </a:ln>
             <a:effectLst/>
           </c:spPr>
-          <c:marker>
-            <c:symbol val="circle"/>
-            <c:size val="5"/>
+          <c:invertIfNegative val="0"/>
+          <c:dPt>
+            <c:idx val="5"/>
+            <c:invertIfNegative val="0"/>
+            <c:bubble3D val="0"/>
             <c:spPr>
               <a:solidFill>
-                <a:schemeClr val="tx1"/>
+                <a:schemeClr val="tx1">
+                  <a:lumMod val="75000"/>
+                  <a:lumOff val="25000"/>
+                </a:schemeClr>
               </a:solidFill>
-              <a:ln w="9525">
+              <a:ln w="19050">
                 <a:solidFill>
-                  <a:schemeClr val="tx1"/>
+                  <a:schemeClr val="tx1">
+                    <a:lumMod val="75000"/>
+                    <a:lumOff val="25000"/>
+                  </a:schemeClr>
                 </a:solidFill>
               </a:ln>
               <a:effectLst/>
             </c:spPr>
-          </c:marker>
+          </c:dPt>
           <c:dLbls>
             <c:spPr>
               <a:noFill/>
@@ -190,7 +209,7 @@
               <a:lstStyle/>
               <a:p>
                 <a:pPr>
-                  <a:defRPr sz="2400" b="0" i="0" u="none" strike="noStrike" kern="1200" baseline="0">
+                  <a:defRPr sz="2800" b="0" i="0" u="none" strike="noStrike" kern="1200" baseline="0">
                     <a:solidFill>
                       <a:schemeClr val="tx1">
                         <a:lumMod val="75000"/>
@@ -205,7 +224,6 @@
                 <a:endParaRPr lang="en-US"/>
               </a:p>
             </c:txPr>
-            <c:dLblPos val="t"/>
             <c:showLegendKey val="0"/>
             <c:showVal val="1"/>
             <c:showCatName val="0"/>
@@ -314,10 +332,8 @@
               </c:numCache>
             </c:numRef>
           </c:val>
-          <c:smooth val="0"/>
         </c:ser>
         <c:dLbls>
-          <c:dLblPos val="t"/>
           <c:showLegendKey val="0"/>
           <c:showVal val="1"/>
           <c:showCatName val="0"/>
@@ -325,13 +341,13 @@
           <c:showPercent val="0"/>
           <c:showBubbleSize val="0"/>
         </c:dLbls>
-        <c:marker val="1"/>
-        <c:smooth val="0"/>
-        <c:axId val="-56524208"/>
-        <c:axId val="-56523664"/>
-      </c:lineChart>
+        <c:gapWidth val="93"/>
+        <c:overlap val="-3"/>
+        <c:axId val="-1375972704"/>
+        <c:axId val="-1375973792"/>
+      </c:barChart>
       <c:catAx>
-        <c:axId val="-56524208"/>
+        <c:axId val="-1375972704"/>
         <c:scaling>
           <c:orientation val="minMax"/>
         </c:scaling>
@@ -344,7 +360,7 @@
               <a:lstStyle/>
               <a:p>
                 <a:pPr>
-                  <a:defRPr sz="2800" b="0" i="0" u="none" strike="noStrike" kern="1200" baseline="0">
+                  <a:defRPr sz="3200" b="0" i="0" u="none" strike="noStrike" kern="1200" baseline="0">
                     <a:solidFill>
                       <a:schemeClr val="tx1"/>
                     </a:solidFill>
@@ -354,7 +370,7 @@
                   </a:defRPr>
                 </a:pPr>
                 <a:r>
-                  <a:rPr lang="en-IN" sz="3000" dirty="0">
+                  <a:rPr lang="en-IN" sz="3200" dirty="0">
                     <a:solidFill>
                       <a:schemeClr val="tx1"/>
                     </a:solidFill>
@@ -364,7 +380,7 @@
                   <a:t>Perceptron</a:t>
                 </a:r>
                 <a:r>
-                  <a:rPr lang="en-IN" sz="3000" baseline="0" dirty="0">
+                  <a:rPr lang="en-IN" sz="3200" baseline="0" dirty="0">
                     <a:solidFill>
                       <a:schemeClr val="tx1"/>
                     </a:solidFill>
@@ -374,7 +390,7 @@
                   <a:t> </a:t>
                 </a:r>
                 <a:r>
-                  <a:rPr lang="en-IN" sz="3000" dirty="0">
+                  <a:rPr lang="en-IN" sz="3200" dirty="0">
                     <a:solidFill>
                       <a:schemeClr val="tx1"/>
                     </a:solidFill>
@@ -390,8 +406,8 @@
             <c:manualLayout>
               <c:xMode val="edge"/>
               <c:yMode val="edge"/>
-              <c:x val="0.38013597569088797"/>
-              <c:y val="0.90967596906163672"/>
+              <c:x val="0.37487625213949616"/>
+              <c:y val="0.90043269878801846"/>
             </c:manualLayout>
           </c:layout>
           <c:overlay val="0"/>
@@ -407,7 +423,7 @@
             <a:lstStyle/>
             <a:p>
               <a:pPr>
-                <a:defRPr sz="2800" b="0" i="0" u="none" strike="noStrike" kern="1200" baseline="0">
+                <a:defRPr sz="3200" b="0" i="0" u="none" strike="noStrike" kern="1200" baseline="0">
                   <a:solidFill>
                     <a:schemeClr val="tx1"/>
                   </a:solidFill>
@@ -454,16 +470,15 @@
             <a:endParaRPr lang="en-US"/>
           </a:p>
         </c:txPr>
-        <c:crossAx val="-56523664"/>
+        <c:crossAx val="-1375973792"/>
         <c:crosses val="autoZero"/>
         <c:auto val="0"/>
         <c:lblAlgn val="ctr"/>
         <c:lblOffset val="100"/>
-        <c:tickMarkSkip val="1"/>
         <c:noMultiLvlLbl val="0"/>
       </c:catAx>
       <c:valAx>
-        <c:axId val="-56523664"/>
+        <c:axId val="-1375973792"/>
         <c:scaling>
           <c:orientation val="minMax"/>
         </c:scaling>
@@ -490,7 +505,7 @@
               <a:lstStyle/>
               <a:p>
                 <a:pPr>
-                  <a:defRPr sz="3000" b="0" i="0" u="none" strike="noStrike" kern="1200" baseline="0">
+                  <a:defRPr sz="3200" b="0" i="0" u="none" strike="noStrike" kern="1200" baseline="0">
                     <a:solidFill>
                       <a:schemeClr val="tx1"/>
                     </a:solidFill>
@@ -500,7 +515,7 @@
                   </a:defRPr>
                 </a:pPr>
                 <a:r>
-                  <a:rPr lang="en-IN" sz="3000">
+                  <a:rPr lang="en-IN" sz="3200">
                     <a:solidFill>
                       <a:schemeClr val="tx1"/>
                     </a:solidFill>
@@ -533,7 +548,7 @@
             <a:lstStyle/>
             <a:p>
               <a:pPr>
-                <a:defRPr sz="3000" b="0" i="0" u="none" strike="noStrike" kern="1200" baseline="0">
+                <a:defRPr sz="3200" b="0" i="0" u="none" strike="noStrike" kern="1200" baseline="0">
                   <a:solidFill>
                     <a:schemeClr val="tx1"/>
                   </a:solidFill>
@@ -567,7 +582,7 @@
           <a:lstStyle/>
           <a:p>
             <a:pPr>
-              <a:defRPr sz="2400" b="0" i="0" u="none" strike="noStrike" kern="1200" baseline="0">
+              <a:defRPr sz="2800" b="0" i="0" u="none" strike="noStrike" kern="1200" baseline="0">
                 <a:solidFill>
                   <a:schemeClr val="tx1"/>
                 </a:solidFill>
@@ -579,7 +594,7 @@
             <a:endParaRPr lang="en-US"/>
           </a:p>
         </c:txPr>
-        <c:crossAx val="-56524208"/>
+        <c:crossAx val="-1375972704"/>
         <c:crosses val="autoZero"/>
         <c:crossBetween val="between"/>
       </c:valAx>
@@ -1308,7 +1323,7 @@
           <a:p>
             <a:fld id="{392FD8E8-46D3-40FD-ADC2-3B52F22ED0B2}" type="datetimeFigureOut">
               <a:rPr lang="en-IN" smtClean="0"/>
-              <a:t>06-12-2018</a:t>
+              <a:t>07-12-2018</a:t>
             </a:fld>
             <a:endParaRPr lang="en-IN"/>
           </a:p>
@@ -1478,7 +1493,7 @@
           <a:p>
             <a:fld id="{392FD8E8-46D3-40FD-ADC2-3B52F22ED0B2}" type="datetimeFigureOut">
               <a:rPr lang="en-IN" smtClean="0"/>
-              <a:t>06-12-2018</a:t>
+              <a:t>07-12-2018</a:t>
             </a:fld>
             <a:endParaRPr lang="en-IN"/>
           </a:p>
@@ -1658,7 +1673,7 @@
           <a:p>
             <a:fld id="{392FD8E8-46D3-40FD-ADC2-3B52F22ED0B2}" type="datetimeFigureOut">
               <a:rPr lang="en-IN" smtClean="0"/>
-              <a:t>06-12-2018</a:t>
+              <a:t>07-12-2018</a:t>
             </a:fld>
             <a:endParaRPr lang="en-IN"/>
           </a:p>
@@ -1828,7 +1843,7 @@
           <a:p>
             <a:fld id="{392FD8E8-46D3-40FD-ADC2-3B52F22ED0B2}" type="datetimeFigureOut">
               <a:rPr lang="en-IN" smtClean="0"/>
-              <a:t>06-12-2018</a:t>
+              <a:t>07-12-2018</a:t>
             </a:fld>
             <a:endParaRPr lang="en-IN"/>
           </a:p>
@@ -2074,7 +2089,7 @@
           <a:p>
             <a:fld id="{392FD8E8-46D3-40FD-ADC2-3B52F22ED0B2}" type="datetimeFigureOut">
               <a:rPr lang="en-IN" smtClean="0"/>
-              <a:t>06-12-2018</a:t>
+              <a:t>07-12-2018</a:t>
             </a:fld>
             <a:endParaRPr lang="en-IN"/>
           </a:p>
@@ -2306,7 +2321,7 @@
           <a:p>
             <a:fld id="{392FD8E8-46D3-40FD-ADC2-3B52F22ED0B2}" type="datetimeFigureOut">
               <a:rPr lang="en-IN" smtClean="0"/>
-              <a:t>06-12-2018</a:t>
+              <a:t>07-12-2018</a:t>
             </a:fld>
             <a:endParaRPr lang="en-IN"/>
           </a:p>
@@ -2673,7 +2688,7 @@
           <a:p>
             <a:fld id="{392FD8E8-46D3-40FD-ADC2-3B52F22ED0B2}" type="datetimeFigureOut">
               <a:rPr lang="en-IN" smtClean="0"/>
-              <a:t>06-12-2018</a:t>
+              <a:t>07-12-2018</a:t>
             </a:fld>
             <a:endParaRPr lang="en-IN"/>
           </a:p>
@@ -2791,7 +2806,7 @@
           <a:p>
             <a:fld id="{392FD8E8-46D3-40FD-ADC2-3B52F22ED0B2}" type="datetimeFigureOut">
               <a:rPr lang="en-IN" smtClean="0"/>
-              <a:t>06-12-2018</a:t>
+              <a:t>07-12-2018</a:t>
             </a:fld>
             <a:endParaRPr lang="en-IN"/>
           </a:p>
@@ -2886,7 +2901,7 @@
           <a:p>
             <a:fld id="{392FD8E8-46D3-40FD-ADC2-3B52F22ED0B2}" type="datetimeFigureOut">
               <a:rPr lang="en-IN" smtClean="0"/>
-              <a:t>06-12-2018</a:t>
+              <a:t>07-12-2018</a:t>
             </a:fld>
             <a:endParaRPr lang="en-IN"/>
           </a:p>
@@ -3163,7 +3178,7 @@
           <a:p>
             <a:fld id="{392FD8E8-46D3-40FD-ADC2-3B52F22ED0B2}" type="datetimeFigureOut">
               <a:rPr lang="en-IN" smtClean="0"/>
-              <a:t>06-12-2018</a:t>
+              <a:t>07-12-2018</a:t>
             </a:fld>
             <a:endParaRPr lang="en-IN"/>
           </a:p>
@@ -3416,7 +3431,7 @@
           <a:p>
             <a:fld id="{392FD8E8-46D3-40FD-ADC2-3B52F22ED0B2}" type="datetimeFigureOut">
               <a:rPr lang="en-IN" smtClean="0"/>
-              <a:t>06-12-2018</a:t>
+              <a:t>07-12-2018</a:t>
             </a:fld>
             <a:endParaRPr lang="en-IN"/>
           </a:p>
@@ -3629,7 +3644,7 @@
           <a:p>
             <a:fld id="{392FD8E8-46D3-40FD-ADC2-3B52F22ED0B2}" type="datetimeFigureOut">
               <a:rPr lang="en-IN" smtClean="0"/>
-              <a:t>06-12-2018</a:t>
+              <a:t>07-12-2018</a:t>
             </a:fld>
             <a:endParaRPr lang="en-IN"/>
           </a:p>
@@ -4043,7 +4058,7 @@
           <p:nvPr>
             <p:extLst>
               <p:ext uri="{D42A27DB-BD31-4B8C-83A1-F6EECF244321}">
-                <p14:modId xmlns:p14="http://schemas.microsoft.com/office/powerpoint/2010/main" val="409991448"/>
+                <p14:modId xmlns:p14="http://schemas.microsoft.com/office/powerpoint/2010/main" val="1243035197"/>
               </p:ext>
             </p:extLst>
           </p:nvPr>
